--- a/docs/diagrams/ModelComponentClassDiagram.pptx
+++ b/docs/diagrams/ModelComponentClassDiagram.pptx
@@ -208,7 +208,7 @@
           <a:p>
             <a:fld id="{F5CC4B3F-88C1-4FFA-B1B6-F41C21DC6924}" type="datetimeFigureOut">
               <a:rPr lang="en-US" smtClean="0"/>
-              <a:t>1/1/18</a:t>
+              <a:t>3/20/2018</a:t>
             </a:fld>
             <a:endParaRPr lang="en-US"/>
           </a:p>
@@ -272,38 +272,37 @@
           <a:p>
             <a:pPr lvl="0"/>
             <a:r>
-              <a:rPr lang="en-US" smtClean="0"/>
+              <a:rPr lang="en-US"/>
               <a:t>Click to edit Master text styles</a:t>
             </a:r>
           </a:p>
           <a:p>
             <a:pPr lvl="1"/>
             <a:r>
-              <a:rPr lang="en-US" smtClean="0"/>
+              <a:rPr lang="en-US"/>
               <a:t>Second level</a:t>
             </a:r>
           </a:p>
           <a:p>
             <a:pPr lvl="2"/>
             <a:r>
-              <a:rPr lang="en-US" smtClean="0"/>
+              <a:rPr lang="en-US"/>
               <a:t>Third level</a:t>
             </a:r>
           </a:p>
           <a:p>
             <a:pPr lvl="3"/>
             <a:r>
-              <a:rPr lang="en-US" smtClean="0"/>
+              <a:rPr lang="en-US"/>
               <a:t>Fourth level</a:t>
             </a:r>
           </a:p>
           <a:p>
             <a:pPr lvl="4"/>
             <a:r>
-              <a:rPr lang="en-US" smtClean="0"/>
+              <a:rPr lang="en-US"/>
               <a:t>Fifth level</a:t>
             </a:r>
-            <a:endParaRPr lang="en-US"/>
           </a:p>
         </p:txBody>
       </p:sp>
@@ -514,10 +513,9 @@
           <a:lstStyle/>
           <a:p>
             <a:r>
-              <a:rPr lang="en-US" smtClean="0"/>
+              <a:rPr lang="en-US"/>
               <a:t>Click to edit Master title style</a:t>
             </a:r>
-            <a:endParaRPr lang="en-US"/>
           </a:p>
         </p:txBody>
       </p:sp>
@@ -633,10 +631,9 @@
           </a:lstStyle>
           <a:p>
             <a:r>
-              <a:rPr lang="en-US" smtClean="0"/>
+              <a:rPr lang="en-US"/>
               <a:t>Click to edit Master subtitle style</a:t>
             </a:r>
-            <a:endParaRPr lang="en-US"/>
           </a:p>
         </p:txBody>
       </p:sp>
@@ -657,7 +654,7 @@
           <a:p>
             <a:fld id="{78C97017-6FC3-485B-9764-EAC9E56C1D49}" type="datetimeFigureOut">
               <a:rPr lang="en-US" smtClean="0"/>
-              <a:t>1/1/18</a:t>
+              <a:t>3/20/2018</a:t>
             </a:fld>
             <a:endParaRPr lang="en-US"/>
           </a:p>
@@ -751,10 +748,9 @@
           <a:lstStyle/>
           <a:p>
             <a:r>
-              <a:rPr lang="en-US" smtClean="0"/>
+              <a:rPr lang="en-US"/>
               <a:t>Click to edit Master title style</a:t>
             </a:r>
-            <a:endParaRPr lang="en-US"/>
           </a:p>
         </p:txBody>
       </p:sp>
@@ -775,38 +771,37 @@
           <a:p>
             <a:pPr lvl="0"/>
             <a:r>
-              <a:rPr lang="en-US" smtClean="0"/>
+              <a:rPr lang="en-US"/>
               <a:t>Click to edit Master text styles</a:t>
             </a:r>
           </a:p>
           <a:p>
             <a:pPr lvl="1"/>
             <a:r>
-              <a:rPr lang="en-US" smtClean="0"/>
+              <a:rPr lang="en-US"/>
               <a:t>Second level</a:t>
             </a:r>
           </a:p>
           <a:p>
             <a:pPr lvl="2"/>
             <a:r>
-              <a:rPr lang="en-US" smtClean="0"/>
+              <a:rPr lang="en-US"/>
               <a:t>Third level</a:t>
             </a:r>
           </a:p>
           <a:p>
             <a:pPr lvl="3"/>
             <a:r>
-              <a:rPr lang="en-US" smtClean="0"/>
+              <a:rPr lang="en-US"/>
               <a:t>Fourth level</a:t>
             </a:r>
           </a:p>
           <a:p>
             <a:pPr lvl="4"/>
             <a:r>
-              <a:rPr lang="en-US" smtClean="0"/>
+              <a:rPr lang="en-US"/>
               <a:t>Fifth level</a:t>
             </a:r>
-            <a:endParaRPr lang="en-US"/>
           </a:p>
         </p:txBody>
       </p:sp>
@@ -827,7 +822,7 @@
           <a:p>
             <a:fld id="{78C97017-6FC3-485B-9764-EAC9E56C1D49}" type="datetimeFigureOut">
               <a:rPr lang="en-US" smtClean="0"/>
-              <a:t>1/1/18</a:t>
+              <a:t>3/20/2018</a:t>
             </a:fld>
             <a:endParaRPr lang="en-US"/>
           </a:p>
@@ -926,10 +921,9 @@
           <a:lstStyle/>
           <a:p>
             <a:r>
-              <a:rPr lang="en-US" smtClean="0"/>
+              <a:rPr lang="en-US"/>
               <a:t>Click to edit Master title style</a:t>
             </a:r>
-            <a:endParaRPr lang="en-US"/>
           </a:p>
         </p:txBody>
       </p:sp>
@@ -955,38 +949,37 @@
           <a:p>
             <a:pPr lvl="0"/>
             <a:r>
-              <a:rPr lang="en-US" smtClean="0"/>
+              <a:rPr lang="en-US"/>
               <a:t>Click to edit Master text styles</a:t>
             </a:r>
           </a:p>
           <a:p>
             <a:pPr lvl="1"/>
             <a:r>
-              <a:rPr lang="en-US" smtClean="0"/>
+              <a:rPr lang="en-US"/>
               <a:t>Second level</a:t>
             </a:r>
           </a:p>
           <a:p>
             <a:pPr lvl="2"/>
             <a:r>
-              <a:rPr lang="en-US" smtClean="0"/>
+              <a:rPr lang="en-US"/>
               <a:t>Third level</a:t>
             </a:r>
           </a:p>
           <a:p>
             <a:pPr lvl="3"/>
             <a:r>
-              <a:rPr lang="en-US" smtClean="0"/>
+              <a:rPr lang="en-US"/>
               <a:t>Fourth level</a:t>
             </a:r>
           </a:p>
           <a:p>
             <a:pPr lvl="4"/>
             <a:r>
-              <a:rPr lang="en-US" smtClean="0"/>
+              <a:rPr lang="en-US"/>
               <a:t>Fifth level</a:t>
             </a:r>
-            <a:endParaRPr lang="en-US"/>
           </a:p>
         </p:txBody>
       </p:sp>
@@ -1007,7 +1000,7 @@
           <a:p>
             <a:fld id="{78C97017-6FC3-485B-9764-EAC9E56C1D49}" type="datetimeFigureOut">
               <a:rPr lang="en-US" smtClean="0"/>
-              <a:t>1/1/18</a:t>
+              <a:t>3/20/2018</a:t>
             </a:fld>
             <a:endParaRPr lang="en-US"/>
           </a:p>
@@ -1101,10 +1094,9 @@
           <a:lstStyle/>
           <a:p>
             <a:r>
-              <a:rPr lang="en-US" smtClean="0"/>
+              <a:rPr lang="en-US"/>
               <a:t>Click to edit Master title style</a:t>
             </a:r>
-            <a:endParaRPr lang="en-US"/>
           </a:p>
         </p:txBody>
       </p:sp>
@@ -1125,38 +1117,37 @@
           <a:p>
             <a:pPr lvl="0"/>
             <a:r>
-              <a:rPr lang="en-US" smtClean="0"/>
+              <a:rPr lang="en-US"/>
               <a:t>Click to edit Master text styles</a:t>
             </a:r>
           </a:p>
           <a:p>
             <a:pPr lvl="1"/>
             <a:r>
-              <a:rPr lang="en-US" smtClean="0"/>
+              <a:rPr lang="en-US"/>
               <a:t>Second level</a:t>
             </a:r>
           </a:p>
           <a:p>
             <a:pPr lvl="2"/>
             <a:r>
-              <a:rPr lang="en-US" smtClean="0"/>
+              <a:rPr lang="en-US"/>
               <a:t>Third level</a:t>
             </a:r>
           </a:p>
           <a:p>
             <a:pPr lvl="3"/>
             <a:r>
-              <a:rPr lang="en-US" smtClean="0"/>
+              <a:rPr lang="en-US"/>
               <a:t>Fourth level</a:t>
             </a:r>
           </a:p>
           <a:p>
             <a:pPr lvl="4"/>
             <a:r>
-              <a:rPr lang="en-US" smtClean="0"/>
+              <a:rPr lang="en-US"/>
               <a:t>Fifth level</a:t>
             </a:r>
-            <a:endParaRPr lang="en-US"/>
           </a:p>
         </p:txBody>
       </p:sp>
@@ -1177,7 +1168,7 @@
           <a:p>
             <a:fld id="{78C97017-6FC3-485B-9764-EAC9E56C1D49}" type="datetimeFigureOut">
               <a:rPr lang="en-US" smtClean="0"/>
-              <a:t>1/1/18</a:t>
+              <a:t>3/20/2018</a:t>
             </a:fld>
             <a:endParaRPr lang="en-US"/>
           </a:p>
@@ -1280,10 +1271,9 @@
           </a:lstStyle>
           <a:p>
             <a:r>
-              <a:rPr lang="en-US" smtClean="0"/>
+              <a:rPr lang="en-US"/>
               <a:t>Click to edit Master title style</a:t>
             </a:r>
-            <a:endParaRPr lang="en-US"/>
           </a:p>
         </p:txBody>
       </p:sp>
@@ -1400,7 +1390,7 @@
           <a:p>
             <a:pPr lvl="0"/>
             <a:r>
-              <a:rPr lang="en-US" smtClean="0"/>
+              <a:rPr lang="en-US"/>
               <a:t>Click to edit Master text styles</a:t>
             </a:r>
           </a:p>
@@ -1423,7 +1413,7 @@
           <a:p>
             <a:fld id="{78C97017-6FC3-485B-9764-EAC9E56C1D49}" type="datetimeFigureOut">
               <a:rPr lang="en-US" smtClean="0"/>
-              <a:t>1/1/18</a:t>
+              <a:t>3/20/2018</a:t>
             </a:fld>
             <a:endParaRPr lang="en-US"/>
           </a:p>
@@ -1517,10 +1507,9 @@
           <a:lstStyle/>
           <a:p>
             <a:r>
-              <a:rPr lang="en-US" smtClean="0"/>
+              <a:rPr lang="en-US"/>
               <a:t>Click to edit Master title style</a:t>
             </a:r>
-            <a:endParaRPr lang="en-US"/>
           </a:p>
         </p:txBody>
       </p:sp>
@@ -1574,38 +1563,37 @@
           <a:p>
             <a:pPr lvl="0"/>
             <a:r>
-              <a:rPr lang="en-US" smtClean="0"/>
+              <a:rPr lang="en-US"/>
               <a:t>Click to edit Master text styles</a:t>
             </a:r>
           </a:p>
           <a:p>
             <a:pPr lvl="1"/>
             <a:r>
-              <a:rPr lang="en-US" smtClean="0"/>
+              <a:rPr lang="en-US"/>
               <a:t>Second level</a:t>
             </a:r>
           </a:p>
           <a:p>
             <a:pPr lvl="2"/>
             <a:r>
-              <a:rPr lang="en-US" smtClean="0"/>
+              <a:rPr lang="en-US"/>
               <a:t>Third level</a:t>
             </a:r>
           </a:p>
           <a:p>
             <a:pPr lvl="3"/>
             <a:r>
-              <a:rPr lang="en-US" smtClean="0"/>
+              <a:rPr lang="en-US"/>
               <a:t>Fourth level</a:t>
             </a:r>
           </a:p>
           <a:p>
             <a:pPr lvl="4"/>
             <a:r>
-              <a:rPr lang="en-US" smtClean="0"/>
+              <a:rPr lang="en-US"/>
               <a:t>Fifth level</a:t>
             </a:r>
-            <a:endParaRPr lang="en-US"/>
           </a:p>
         </p:txBody>
       </p:sp>
@@ -1659,38 +1647,37 @@
           <a:p>
             <a:pPr lvl="0"/>
             <a:r>
-              <a:rPr lang="en-US" smtClean="0"/>
+              <a:rPr lang="en-US"/>
               <a:t>Click to edit Master text styles</a:t>
             </a:r>
           </a:p>
           <a:p>
             <a:pPr lvl="1"/>
             <a:r>
-              <a:rPr lang="en-US" smtClean="0"/>
+              <a:rPr lang="en-US"/>
               <a:t>Second level</a:t>
             </a:r>
           </a:p>
           <a:p>
             <a:pPr lvl="2"/>
             <a:r>
-              <a:rPr lang="en-US" smtClean="0"/>
+              <a:rPr lang="en-US"/>
               <a:t>Third level</a:t>
             </a:r>
           </a:p>
           <a:p>
             <a:pPr lvl="3"/>
             <a:r>
-              <a:rPr lang="en-US" smtClean="0"/>
+              <a:rPr lang="en-US"/>
               <a:t>Fourth level</a:t>
             </a:r>
           </a:p>
           <a:p>
             <a:pPr lvl="4"/>
             <a:r>
-              <a:rPr lang="en-US" smtClean="0"/>
+              <a:rPr lang="en-US"/>
               <a:t>Fifth level</a:t>
             </a:r>
-            <a:endParaRPr lang="en-US"/>
           </a:p>
         </p:txBody>
       </p:sp>
@@ -1711,7 +1698,7 @@
           <a:p>
             <a:fld id="{78C97017-6FC3-485B-9764-EAC9E56C1D49}" type="datetimeFigureOut">
               <a:rPr lang="en-US" smtClean="0"/>
-              <a:t>1/1/18</a:t>
+              <a:t>3/20/2018</a:t>
             </a:fld>
             <a:endParaRPr lang="en-US"/>
           </a:p>
@@ -1809,10 +1796,9 @@
           </a:lstStyle>
           <a:p>
             <a:r>
-              <a:rPr lang="en-US" smtClean="0"/>
+              <a:rPr lang="en-US"/>
               <a:t>Click to edit Master title style</a:t>
             </a:r>
-            <a:endParaRPr lang="en-US"/>
           </a:p>
         </p:txBody>
       </p:sp>
@@ -1875,7 +1861,7 @@
           <a:p>
             <a:pPr lvl="0"/>
             <a:r>
-              <a:rPr lang="en-US" smtClean="0"/>
+              <a:rPr lang="en-US"/>
               <a:t>Click to edit Master text styles</a:t>
             </a:r>
           </a:p>
@@ -1931,38 +1917,37 @@
           <a:p>
             <a:pPr lvl="0"/>
             <a:r>
-              <a:rPr lang="en-US" smtClean="0"/>
+              <a:rPr lang="en-US"/>
               <a:t>Click to edit Master text styles</a:t>
             </a:r>
           </a:p>
           <a:p>
             <a:pPr lvl="1"/>
             <a:r>
-              <a:rPr lang="en-US" smtClean="0"/>
+              <a:rPr lang="en-US"/>
               <a:t>Second level</a:t>
             </a:r>
           </a:p>
           <a:p>
             <a:pPr lvl="2"/>
             <a:r>
-              <a:rPr lang="en-US" smtClean="0"/>
+              <a:rPr lang="en-US"/>
               <a:t>Third level</a:t>
             </a:r>
           </a:p>
           <a:p>
             <a:pPr lvl="3"/>
             <a:r>
-              <a:rPr lang="en-US" smtClean="0"/>
+              <a:rPr lang="en-US"/>
               <a:t>Fourth level</a:t>
             </a:r>
           </a:p>
           <a:p>
             <a:pPr lvl="4"/>
             <a:r>
-              <a:rPr lang="en-US" smtClean="0"/>
+              <a:rPr lang="en-US"/>
               <a:t>Fifth level</a:t>
             </a:r>
-            <a:endParaRPr lang="en-US"/>
           </a:p>
         </p:txBody>
       </p:sp>
@@ -2025,7 +2010,7 @@
           <a:p>
             <a:pPr lvl="0"/>
             <a:r>
-              <a:rPr lang="en-US" smtClean="0"/>
+              <a:rPr lang="en-US"/>
               <a:t>Click to edit Master text styles</a:t>
             </a:r>
           </a:p>
@@ -2081,38 +2066,37 @@
           <a:p>
             <a:pPr lvl="0"/>
             <a:r>
-              <a:rPr lang="en-US" smtClean="0"/>
+              <a:rPr lang="en-US"/>
               <a:t>Click to edit Master text styles</a:t>
             </a:r>
           </a:p>
           <a:p>
             <a:pPr lvl="1"/>
             <a:r>
-              <a:rPr lang="en-US" smtClean="0"/>
+              <a:rPr lang="en-US"/>
               <a:t>Second level</a:t>
             </a:r>
           </a:p>
           <a:p>
             <a:pPr lvl="2"/>
             <a:r>
-              <a:rPr lang="en-US" smtClean="0"/>
+              <a:rPr lang="en-US"/>
               <a:t>Third level</a:t>
             </a:r>
           </a:p>
           <a:p>
             <a:pPr lvl="3"/>
             <a:r>
-              <a:rPr lang="en-US" smtClean="0"/>
+              <a:rPr lang="en-US"/>
               <a:t>Fourth level</a:t>
             </a:r>
           </a:p>
           <a:p>
             <a:pPr lvl="4"/>
             <a:r>
-              <a:rPr lang="en-US" smtClean="0"/>
+              <a:rPr lang="en-US"/>
               <a:t>Fifth level</a:t>
             </a:r>
-            <a:endParaRPr lang="en-US"/>
           </a:p>
         </p:txBody>
       </p:sp>
@@ -2133,7 +2117,7 @@
           <a:p>
             <a:fld id="{78C97017-6FC3-485B-9764-EAC9E56C1D49}" type="datetimeFigureOut">
               <a:rPr lang="en-US" smtClean="0"/>
-              <a:t>1/1/18</a:t>
+              <a:t>3/20/2018</a:t>
             </a:fld>
             <a:endParaRPr lang="en-US"/>
           </a:p>
@@ -2227,10 +2211,9 @@
           <a:lstStyle/>
           <a:p>
             <a:r>
-              <a:rPr lang="en-US" smtClean="0"/>
+              <a:rPr lang="en-US"/>
               <a:t>Click to edit Master title style</a:t>
             </a:r>
-            <a:endParaRPr lang="en-US"/>
           </a:p>
         </p:txBody>
       </p:sp>
@@ -2251,7 +2234,7 @@
           <a:p>
             <a:fld id="{78C97017-6FC3-485B-9764-EAC9E56C1D49}" type="datetimeFigureOut">
               <a:rPr lang="en-US" smtClean="0"/>
-              <a:t>1/1/18</a:t>
+              <a:t>3/20/2018</a:t>
             </a:fld>
             <a:endParaRPr lang="en-US"/>
           </a:p>
@@ -2346,7 +2329,7 @@
           <a:p>
             <a:fld id="{78C97017-6FC3-485B-9764-EAC9E56C1D49}" type="datetimeFigureOut">
               <a:rPr lang="en-US" smtClean="0"/>
-              <a:t>1/1/18</a:t>
+              <a:t>3/20/2018</a:t>
             </a:fld>
             <a:endParaRPr lang="en-US"/>
           </a:p>
@@ -2449,10 +2432,9 @@
           </a:lstStyle>
           <a:p>
             <a:r>
-              <a:rPr lang="en-US" smtClean="0"/>
+              <a:rPr lang="en-US"/>
               <a:t>Click to edit Master title style</a:t>
             </a:r>
-            <a:endParaRPr lang="en-US"/>
           </a:p>
         </p:txBody>
       </p:sp>
@@ -2506,38 +2488,37 @@
           <a:p>
             <a:pPr lvl="0"/>
             <a:r>
-              <a:rPr lang="en-US" smtClean="0"/>
+              <a:rPr lang="en-US"/>
               <a:t>Click to edit Master text styles</a:t>
             </a:r>
           </a:p>
           <a:p>
             <a:pPr lvl="1"/>
             <a:r>
-              <a:rPr lang="en-US" smtClean="0"/>
+              <a:rPr lang="en-US"/>
               <a:t>Second level</a:t>
             </a:r>
           </a:p>
           <a:p>
             <a:pPr lvl="2"/>
             <a:r>
-              <a:rPr lang="en-US" smtClean="0"/>
+              <a:rPr lang="en-US"/>
               <a:t>Third level</a:t>
             </a:r>
           </a:p>
           <a:p>
             <a:pPr lvl="3"/>
             <a:r>
-              <a:rPr lang="en-US" smtClean="0"/>
+              <a:rPr lang="en-US"/>
               <a:t>Fourth level</a:t>
             </a:r>
           </a:p>
           <a:p>
             <a:pPr lvl="4"/>
             <a:r>
-              <a:rPr lang="en-US" smtClean="0"/>
+              <a:rPr lang="en-US"/>
               <a:t>Fifth level</a:t>
             </a:r>
-            <a:endParaRPr lang="en-US"/>
           </a:p>
         </p:txBody>
       </p:sp>
@@ -2600,7 +2581,7 @@
           <a:p>
             <a:pPr lvl="0"/>
             <a:r>
-              <a:rPr lang="en-US" smtClean="0"/>
+              <a:rPr lang="en-US"/>
               <a:t>Click to edit Master text styles</a:t>
             </a:r>
           </a:p>
@@ -2623,7 +2604,7 @@
           <a:p>
             <a:fld id="{78C97017-6FC3-485B-9764-EAC9E56C1D49}" type="datetimeFigureOut">
               <a:rPr lang="en-US" smtClean="0"/>
-              <a:t>1/1/18</a:t>
+              <a:t>3/20/2018</a:t>
             </a:fld>
             <a:endParaRPr lang="en-US"/>
           </a:p>
@@ -2726,10 +2707,9 @@
           </a:lstStyle>
           <a:p>
             <a:r>
-              <a:rPr lang="en-US" smtClean="0"/>
+              <a:rPr lang="en-US"/>
               <a:t>Click to edit Master title style</a:t>
             </a:r>
-            <a:endParaRPr lang="en-US"/>
           </a:p>
         </p:txBody>
       </p:sp>
@@ -2853,7 +2833,7 @@
           <a:p>
             <a:pPr lvl="0"/>
             <a:r>
-              <a:rPr lang="en-US" smtClean="0"/>
+              <a:rPr lang="en-US"/>
               <a:t>Click to edit Master text styles</a:t>
             </a:r>
           </a:p>
@@ -2876,7 +2856,7 @@
           <a:p>
             <a:fld id="{78C97017-6FC3-485B-9764-EAC9E56C1D49}" type="datetimeFigureOut">
               <a:rPr lang="en-US" smtClean="0"/>
-              <a:t>1/1/18</a:t>
+              <a:t>3/20/2018</a:t>
             </a:fld>
             <a:endParaRPr lang="en-US"/>
           </a:p>
@@ -2985,10 +2965,9 @@
           <a:lstStyle/>
           <a:p>
             <a:r>
-              <a:rPr lang="en-US" smtClean="0"/>
+              <a:rPr lang="en-US"/>
               <a:t>Click to edit Master title style</a:t>
             </a:r>
-            <a:endParaRPr lang="en-US"/>
           </a:p>
         </p:txBody>
       </p:sp>
@@ -3019,38 +2998,37 @@
           <a:p>
             <a:pPr lvl="0"/>
             <a:r>
-              <a:rPr lang="en-US" smtClean="0"/>
+              <a:rPr lang="en-US"/>
               <a:t>Click to edit Master text styles</a:t>
             </a:r>
           </a:p>
           <a:p>
             <a:pPr lvl="1"/>
             <a:r>
-              <a:rPr lang="en-US" smtClean="0"/>
+              <a:rPr lang="en-US"/>
               <a:t>Second level</a:t>
             </a:r>
           </a:p>
           <a:p>
             <a:pPr lvl="2"/>
             <a:r>
-              <a:rPr lang="en-US" smtClean="0"/>
+              <a:rPr lang="en-US"/>
               <a:t>Third level</a:t>
             </a:r>
           </a:p>
           <a:p>
             <a:pPr lvl="3"/>
             <a:r>
-              <a:rPr lang="en-US" smtClean="0"/>
+              <a:rPr lang="en-US"/>
               <a:t>Fourth level</a:t>
             </a:r>
           </a:p>
           <a:p>
             <a:pPr lvl="4"/>
             <a:r>
-              <a:rPr lang="en-US" smtClean="0"/>
+              <a:rPr lang="en-US"/>
               <a:t>Fifth level</a:t>
             </a:r>
-            <a:endParaRPr lang="en-US"/>
           </a:p>
         </p:txBody>
       </p:sp>
@@ -3089,7 +3067,7 @@
           <a:p>
             <a:fld id="{78C97017-6FC3-485B-9764-EAC9E56C1D49}" type="datetimeFigureOut">
               <a:rPr lang="en-US" smtClean="0"/>
-              <a:t>1/1/18</a:t>
+              <a:t>3/20/2018</a:t>
             </a:fld>
             <a:endParaRPr lang="en-US"/>
           </a:p>
@@ -3510,7 +3488,7 @@
           <a:lstStyle/>
           <a:p>
             <a:r>
-              <a:rPr lang="en-US" sz="1200" b="1" dirty="0" smtClean="0">
+              <a:rPr lang="en-US" sz="1200" b="1" dirty="0">
                 <a:solidFill>
                   <a:srgbClr val="7030A0"/>
                 </a:solidFill>
@@ -3569,14 +3547,14 @@
           <a:p>
             <a:pPr algn="ctr"/>
             <a:r>
-              <a:rPr lang="en-US" sz="1050" dirty="0" err="1" smtClean="0">
+              <a:rPr lang="en-US" sz="1050" dirty="0" err="1">
                 <a:solidFill>
                   <a:schemeClr val="bg1"/>
                 </a:solidFill>
               </a:rPr>
-              <a:t>UserPref</a:t>
-            </a:r>
-            <a:endParaRPr lang="en-SG" sz="1050" dirty="0">
+              <a:t>UserPrefs</a:t>
+            </a:r>
+            <a:endParaRPr lang="en-SG" sz="1050" dirty="0" err="1">
               <a:solidFill>
                 <a:schemeClr val="bg1"/>
               </a:solidFill>
@@ -3628,7 +3606,7 @@
           <a:p>
             <a:pPr algn="ctr"/>
             <a:r>
-              <a:rPr lang="en-US" sz="1050" dirty="0" err="1" smtClean="0">
+              <a:rPr lang="en-US" sz="1050" dirty="0" err="1">
                 <a:solidFill>
                   <a:schemeClr val="bg1"/>
                 </a:solidFill>
@@ -3742,7 +3720,7 @@
           <a:p>
             <a:pPr algn="ctr"/>
             <a:r>
-              <a:rPr lang="en-US" sz="1050" dirty="0" smtClean="0">
+              <a:rPr lang="en-US" sz="1050" dirty="0">
                 <a:solidFill>
                   <a:schemeClr val="bg1"/>
                 </a:solidFill>
@@ -4015,7 +3993,7 @@
           <a:p>
             <a:pPr algn="ctr"/>
             <a:r>
-              <a:rPr lang="en-US" sz="1050" dirty="0" err="1" smtClean="0">
+              <a:rPr lang="en-US" sz="1050" dirty="0" err="1">
                 <a:solidFill>
                   <a:srgbClr val="7030A0"/>
                 </a:solidFill>
@@ -4157,7 +4135,7 @@
           <a:p>
             <a:pPr algn="ctr"/>
             <a:r>
-              <a:rPr lang="en-US" sz="1050" dirty="0" err="1" smtClean="0">
+              <a:rPr lang="en-US" sz="1050" dirty="0" err="1">
                 <a:solidFill>
                   <a:srgbClr val="7030A0"/>
                 </a:solidFill>
@@ -4301,7 +4279,7 @@
           <a:p>
             <a:pPr algn="ctr"/>
             <a:r>
-              <a:rPr lang="en-US" sz="1050" dirty="0" err="1" smtClean="0">
+              <a:rPr lang="en-US" sz="1050" dirty="0" err="1">
                 <a:solidFill>
                   <a:srgbClr val="7030A0"/>
                 </a:solidFill>
@@ -4400,7 +4378,7 @@
           <a:p>
             <a:pPr algn="ctr"/>
             <a:r>
-              <a:rPr lang="en-US" sz="1050" dirty="0" smtClean="0">
+              <a:rPr lang="en-US" sz="1050" dirty="0">
                 <a:solidFill>
                   <a:srgbClr val="7030A0"/>
                 </a:solidFill>
@@ -4542,7 +4520,7 @@
           <a:p>
             <a:pPr algn="ctr"/>
             <a:r>
-              <a:rPr lang="en-US" sz="1050" dirty="0" smtClean="0">
+              <a:rPr lang="en-US" sz="1050" dirty="0">
                 <a:solidFill>
                   <a:srgbClr val="7030A0"/>
                 </a:solidFill>
@@ -4684,7 +4662,7 @@
           <a:p>
             <a:pPr algn="ctr"/>
             <a:r>
-              <a:rPr lang="en-US" sz="1050" dirty="0" smtClean="0">
+              <a:rPr lang="en-US" sz="1050" dirty="0">
                 <a:solidFill>
                   <a:srgbClr val="7030A0"/>
                 </a:solidFill>
@@ -4828,7 +4806,7 @@
           <a:p>
             <a:pPr algn="ctr"/>
             <a:r>
-              <a:rPr lang="en-US" sz="1050" dirty="0" smtClean="0">
+              <a:rPr lang="en-US" sz="1050" dirty="0">
                 <a:solidFill>
                   <a:srgbClr val="7030A0"/>
                 </a:solidFill>
@@ -4925,7 +4903,7 @@
           <a:p>
             <a:pPr algn="ctr"/>
             <a:r>
-              <a:rPr lang="en-US" sz="1050" dirty="0" smtClean="0">
+              <a:rPr lang="en-US" sz="1050" dirty="0">
                 <a:solidFill>
                   <a:srgbClr val="7030A0"/>
                 </a:solidFill>
@@ -5022,7 +5000,7 @@
           <a:p>
             <a:pPr algn="ctr"/>
             <a:r>
-              <a:rPr lang="en-US" sz="1050" dirty="0" smtClean="0">
+              <a:rPr lang="en-US" sz="1050" dirty="0">
                 <a:solidFill>
                   <a:srgbClr val="7030A0"/>
                 </a:solidFill>
@@ -5210,7 +5188,7 @@
           <a:p>
             <a:pPr algn="ctr"/>
             <a:r>
-              <a:rPr lang="en-US" sz="1050" dirty="0" smtClean="0">
+              <a:rPr lang="en-US" sz="1050" dirty="0">
                 <a:solidFill>
                   <a:srgbClr val="7030A0"/>
                 </a:solidFill>
@@ -5218,14 +5196,14 @@
               <a:t>&lt;&lt;interface&gt;&gt;</a:t>
             </a:r>
             <a:br>
-              <a:rPr lang="en-US" sz="1050" dirty="0" smtClean="0">
+              <a:rPr lang="en-US" sz="1050" dirty="0">
                 <a:solidFill>
                   <a:srgbClr val="7030A0"/>
                 </a:solidFill>
               </a:rPr>
             </a:br>
             <a:r>
-              <a:rPr lang="en-US" sz="1050" dirty="0" err="1" smtClean="0">
+              <a:rPr lang="en-US" sz="1050" dirty="0" err="1">
                 <a:solidFill>
                   <a:srgbClr val="7030A0"/>
                 </a:solidFill>
@@ -5264,7 +5242,7 @@
           <a:p>
             <a:pPr algn="r"/>
             <a:r>
-              <a:rPr lang="en-US" sz="1100" dirty="0" smtClean="0">
+              <a:rPr lang="en-US" sz="1100" dirty="0">
                 <a:solidFill>
                   <a:srgbClr val="7030A0"/>
                 </a:solidFill>
@@ -5320,20 +5298,12 @@
           <a:p>
             <a:pPr algn="ctr"/>
             <a:r>
-              <a:rPr lang="en-US" sz="1050" dirty="0" smtClean="0">
+              <a:rPr lang="en-US" sz="1050" dirty="0">
                 <a:solidFill>
                   <a:srgbClr val="7030A0"/>
                 </a:solidFill>
               </a:rPr>
               <a:t>&lt;&lt;interface&gt;&gt;</a:t>
-            </a:r>
-            <a:r>
-              <a:rPr lang="en-US" sz="1050">
-                <a:solidFill>
-                  <a:srgbClr val="7030A0"/>
-                </a:solidFill>
-              </a:rPr>
-              <a:t/>
             </a:r>
             <a:br>
               <a:rPr lang="en-US" sz="1050">
@@ -5343,7 +5313,7 @@
               </a:rPr>
             </a:br>
             <a:r>
-              <a:rPr lang="en-US" sz="1050" dirty="0" err="1" smtClean="0">
+              <a:rPr lang="en-US" sz="1050" dirty="0" err="1">
                 <a:solidFill>
                   <a:srgbClr val="7030A0"/>
                 </a:solidFill>
@@ -5465,7 +5435,7 @@
           <a:p>
             <a:pPr algn="ctr"/>
             <a:r>
-              <a:rPr lang="en-US" sz="1100" dirty="0" smtClean="0">
+              <a:rPr lang="en-US" sz="1100" dirty="0">
                 <a:solidFill>
                   <a:srgbClr val="7030A0"/>
                 </a:solidFill>
@@ -5504,7 +5474,7 @@
           <a:p>
             <a:pPr algn="ctr"/>
             <a:r>
-              <a:rPr lang="en-US" sz="1100" dirty="0" smtClean="0">
+              <a:rPr lang="en-US" sz="1100" dirty="0">
                 <a:solidFill>
                   <a:srgbClr val="7030A0"/>
                 </a:solidFill>
@@ -5543,7 +5513,7 @@
           <a:p>
             <a:pPr algn="ctr"/>
             <a:r>
-              <a:rPr lang="en-US" sz="1100" dirty="0" smtClean="0">
+              <a:rPr lang="en-US" sz="1100" dirty="0">
                 <a:solidFill>
                   <a:srgbClr val="7030A0"/>
                 </a:solidFill>
@@ -5582,7 +5552,7 @@
           <a:p>
             <a:pPr algn="ctr"/>
             <a:r>
-              <a:rPr lang="en-US" sz="1100" dirty="0" smtClean="0">
+              <a:rPr lang="en-US" sz="1100" dirty="0">
                 <a:solidFill>
                   <a:srgbClr val="7030A0"/>
                 </a:solidFill>
@@ -5621,7 +5591,7 @@
           <a:p>
             <a:pPr algn="ctr"/>
             <a:r>
-              <a:rPr lang="en-US" sz="1100" dirty="0" smtClean="0">
+              <a:rPr lang="en-US" sz="1100" dirty="0">
                 <a:solidFill>
                   <a:srgbClr val="7030A0"/>
                 </a:solidFill>
@@ -5660,7 +5630,7 @@
           <a:p>
             <a:pPr algn="ctr"/>
             <a:r>
-              <a:rPr lang="en-US" sz="1100" dirty="0" smtClean="0">
+              <a:rPr lang="en-US" sz="1100" dirty="0">
                 <a:solidFill>
                   <a:srgbClr val="7030A0"/>
                 </a:solidFill>
@@ -5699,7 +5669,7 @@
           <a:p>
             <a:pPr algn="ctr"/>
             <a:r>
-              <a:rPr lang="en-US" sz="1100" dirty="0" smtClean="0">
+              <a:rPr lang="en-US" sz="1100" dirty="0">
                 <a:solidFill>
                   <a:srgbClr val="7030A0"/>
                 </a:solidFill>
@@ -5738,7 +5708,209 @@
           <a:p>
             <a:pPr algn="ctr"/>
             <a:r>
-              <a:rPr lang="en-US" sz="1100" dirty="0" smtClean="0">
+              <a:rPr lang="en-US" sz="1100" dirty="0">
+                <a:solidFill>
+                  <a:srgbClr val="7030A0"/>
+                </a:solidFill>
+              </a:rPr>
+              <a:t>1</a:t>
+            </a:r>
+            <a:endParaRPr lang="en-SG" sz="1100" dirty="0">
+              <a:solidFill>
+                <a:srgbClr val="7030A0"/>
+              </a:solidFill>
+            </a:endParaRPr>
+          </a:p>
+        </p:txBody>
+      </p:sp>
+      <p:sp>
+        <p:nvSpPr>
+          <p:cNvPr id="52" name="Flowchart: Decision 96">
+            <a:extLst>
+              <a:ext uri="{FF2B5EF4-FFF2-40B4-BE49-F238E27FC236}">
+                <a16:creationId xmlns:a16="http://schemas.microsoft.com/office/drawing/2014/main" id="{D63573ED-1CA7-4D67-B245-33D48BBCB5D6}"/>
+              </a:ext>
+            </a:extLst>
+          </p:cNvPr>
+          <p:cNvSpPr/>
+          <p:nvPr/>
+        </p:nvSpPr>
+        <p:spPr>
+          <a:xfrm rot="5340000">
+            <a:off x="3308076" y="3561926"/>
+            <a:ext cx="236048" cy="173380"/>
+          </a:xfrm>
+          <a:prstGeom prst="flowChartDecision">
+            <a:avLst/>
+          </a:prstGeom>
+          <a:solidFill>
+            <a:srgbClr val="7030A0"/>
+          </a:solidFill>
+          <a:ln w="19050">
+            <a:solidFill>
+              <a:srgbClr val="7030A0"/>
+            </a:solidFill>
+          </a:ln>
+          <a:effectLst/>
+        </p:spPr>
+        <p:style>
+          <a:lnRef idx="1">
+            <a:schemeClr val="accent6"/>
+          </a:lnRef>
+          <a:fillRef idx="2">
+            <a:schemeClr val="accent6"/>
+          </a:fillRef>
+          <a:effectRef idx="1">
+            <a:schemeClr val="accent6"/>
+          </a:effectRef>
+          <a:fontRef idx="minor">
+            <a:schemeClr val="dk1"/>
+          </a:fontRef>
+        </p:style>
+        <p:txBody>
+          <a:bodyPr rtlCol="0" anchor="ctr"/>
+          <a:lstStyle/>
+          <a:p>
+            <a:pPr algn="ctr"/>
+            <a:endParaRPr lang="en-US" sz="1050"/>
+          </a:p>
+        </p:txBody>
+      </p:sp>
+      <p:cxnSp>
+        <p:nvCxnSpPr>
+          <p:cNvPr id="71" name="Elbow Connector 68">
+            <a:extLst>
+              <a:ext uri="{FF2B5EF4-FFF2-40B4-BE49-F238E27FC236}">
+                <a16:creationId xmlns:a16="http://schemas.microsoft.com/office/drawing/2014/main" id="{1C8E41F3-3BB5-4530-84CA-B70B6B5A7F01}"/>
+              </a:ext>
+            </a:extLst>
+          </p:cNvPr>
+          <p:cNvCxnSpPr>
+            <a:cxnSpLocks/>
+          </p:cNvCxnSpPr>
+          <p:nvPr/>
+        </p:nvCxnSpPr>
+        <p:spPr>
+          <a:xfrm>
+            <a:off x="3424931" y="3770398"/>
+            <a:ext cx="564" cy="465812"/>
+          </a:xfrm>
+          <a:prstGeom prst="bentConnector2">
+            <a:avLst/>
+          </a:prstGeom>
+          <a:ln w="19050">
+            <a:solidFill>
+              <a:srgbClr val="7030A0"/>
+            </a:solidFill>
+            <a:headEnd type="none" w="med" len="med"/>
+            <a:tailEnd type="arrow" w="med" len="med"/>
+          </a:ln>
+          <a:effectLst/>
+        </p:spPr>
+        <p:style>
+          <a:lnRef idx="1">
+            <a:schemeClr val="accent2"/>
+          </a:lnRef>
+          <a:fillRef idx="2">
+            <a:schemeClr val="accent2"/>
+          </a:fillRef>
+          <a:effectRef idx="1">
+            <a:schemeClr val="accent2"/>
+          </a:effectRef>
+          <a:fontRef idx="minor">
+            <a:schemeClr val="dk1"/>
+          </a:fontRef>
+        </p:style>
+      </p:cxnSp>
+      <p:sp>
+        <p:nvSpPr>
+          <p:cNvPr id="72" name="Rectangle 8">
+            <a:extLst>
+              <a:ext uri="{FF2B5EF4-FFF2-40B4-BE49-F238E27FC236}">
+                <a16:creationId xmlns:a16="http://schemas.microsoft.com/office/drawing/2014/main" id="{5A70EB57-4E95-4329-A17C-6BBC5BFC26F5}"/>
+              </a:ext>
+            </a:extLst>
+          </p:cNvPr>
+          <p:cNvSpPr/>
+          <p:nvPr/>
+        </p:nvSpPr>
+        <p:spPr>
+          <a:xfrm>
+            <a:off x="3290981" y="4232303"/>
+            <a:ext cx="1156969" cy="346760"/>
+          </a:xfrm>
+          <a:prstGeom prst="rect">
+            <a:avLst/>
+          </a:prstGeom>
+          <a:ln w="19050">
+            <a:solidFill>
+              <a:srgbClr val="7030A0"/>
+            </a:solidFill>
+          </a:ln>
+          <a:effectLst/>
+        </p:spPr>
+        <p:style>
+          <a:lnRef idx="1">
+            <a:schemeClr val="accent4"/>
+          </a:lnRef>
+          <a:fillRef idx="2">
+            <a:schemeClr val="accent4"/>
+          </a:fillRef>
+          <a:effectRef idx="1">
+            <a:schemeClr val="accent4"/>
+          </a:effectRef>
+          <a:fontRef idx="minor">
+            <a:schemeClr val="dk1"/>
+          </a:fontRef>
+        </p:style>
+        <p:txBody>
+          <a:bodyPr rtlCol="0" anchor="ctr"/>
+          <a:lstStyle/>
+          <a:p>
+            <a:pPr algn="ctr"/>
+            <a:r>
+              <a:rPr lang="en-US" sz="1050" dirty="0" err="1">
+                <a:solidFill>
+                  <a:srgbClr val="7030A0"/>
+                </a:solidFill>
+              </a:rPr>
+              <a:t>CommandWords</a:t>
+            </a:r>
+            <a:endParaRPr lang="en-US" dirty="0" err="1"/>
+          </a:p>
+        </p:txBody>
+      </p:sp>
+      <p:sp>
+        <p:nvSpPr>
+          <p:cNvPr id="73" name="TextBox 72">
+            <a:extLst>
+              <a:ext uri="{FF2B5EF4-FFF2-40B4-BE49-F238E27FC236}">
+                <a16:creationId xmlns:a16="http://schemas.microsoft.com/office/drawing/2014/main" id="{E39059A9-7F08-4974-94BA-0D706924ED48}"/>
+              </a:ext>
+            </a:extLst>
+          </p:cNvPr>
+          <p:cNvSpPr txBox="1"/>
+          <p:nvPr/>
+        </p:nvSpPr>
+        <p:spPr>
+          <a:xfrm>
+            <a:off x="3491721" y="4015416"/>
+            <a:ext cx="189257" cy="178683"/>
+          </a:xfrm>
+          <a:prstGeom prst="rect">
+            <a:avLst/>
+          </a:prstGeom>
+          <a:noFill/>
+        </p:spPr>
+        <p:txBody>
+          <a:bodyPr wrap="square" lIns="0" tIns="0" rIns="0" bIns="0" rtlCol="0">
+            <a:noAutofit/>
+          </a:bodyPr>
+          <a:lstStyle/>
+          <a:p>
+            <a:pPr algn="ctr"/>
+            <a:r>
+              <a:rPr lang="en-US" sz="1100" dirty="0">
                 <a:solidFill>
                   <a:srgbClr val="7030A0"/>
                 </a:solidFill>
@@ -5763,13 +5935,6 @@
   <p:clrMapOvr>
     <a:masterClrMapping/>
   </p:clrMapOvr>
-  <p:timing>
-    <p:tnLst>
-      <p:par>
-        <p:cTn id="1" dur="indefinite" restart="never" nodeType="tmRoot"/>
-      </p:par>
-    </p:tnLst>
-  </p:timing>
 </p:sld>
 </file>
 
